--- a/olt-python-powered-excel.pptx
+++ b/olt-python-powered-excel.pptx
@@ -45,7 +45,7 @@
       <p:boldItalic r:id="rId28"/>
     </p:embeddedFont>
     <p:embeddedFont>
-      <p:font typeface="Gidole" panose="02000503000000000000" pitchFamily="50" charset="0"/>
+      <p:font typeface="Gidole" panose="02000503000000000000" pitchFamily="2" charset="0"/>
       <p:regular r:id="rId29"/>
     </p:embeddedFont>
     <p:embeddedFont>
@@ -5819,7 +5819,7 @@
         </p:nvGrpSpPr>
         <p:grpSpPr>
           <a:xfrm>
-            <a:off x="0" y="2733413"/>
+            <a:off x="-100401" y="2725793"/>
             <a:ext cx="7565692" cy="7553587"/>
             <a:chOff x="0" y="0"/>
             <a:chExt cx="6350000" cy="6339840"/>
@@ -9385,7 +9385,7 @@
         <p:spPr>
           <a:xfrm>
             <a:off x="1208994" y="579839"/>
-            <a:ext cx="6868206" cy="3693255"/>
+            <a:ext cx="7401606" cy="3693255"/>
           </a:xfrm>
           <a:prstGeom prst="rect">
             <a:avLst/>
